--- a/documentacao/Diagrama de Solução.pptx
+++ b/documentacao/Diagrama de Solução.pptx
@@ -3338,6 +3338,64 @@
           <a:chExt cx="0" cy="0"/>
         </a:xfrm>
       </p:grpSpPr>
+      <p:sp>
+        <p:nvSpPr>
+          <p:cNvPr id="64" name="Nuvem 63">
+            <a:extLst>
+              <a:ext uri="{FF2B5EF4-FFF2-40B4-BE49-F238E27FC236}">
+                <a16:creationId xmlns:a16="http://schemas.microsoft.com/office/drawing/2014/main" id="{4BD7CB84-9683-43AC-B680-65D81A616BA9}"/>
+              </a:ext>
+            </a:extLst>
+          </p:cNvPr>
+          <p:cNvSpPr/>
+          <p:nvPr/>
+        </p:nvSpPr>
+        <p:spPr>
+          <a:xfrm>
+            <a:off x="9220792" y="2552311"/>
+            <a:ext cx="2661219" cy="1666017"/>
+          </a:xfrm>
+          <a:prstGeom prst="cloud">
+            <a:avLst/>
+          </a:prstGeom>
+          <a:solidFill>
+            <a:schemeClr val="bg1"/>
+          </a:solidFill>
+          <a:ln>
+            <a:solidFill>
+              <a:schemeClr val="tx1"/>
+            </a:solidFill>
+          </a:ln>
+        </p:spPr>
+        <p:style>
+          <a:lnRef idx="2">
+            <a:schemeClr val="accent1">
+              <a:shade val="50000"/>
+            </a:schemeClr>
+          </a:lnRef>
+          <a:fillRef idx="1">
+            <a:schemeClr val="accent1"/>
+          </a:fillRef>
+          <a:effectRef idx="0">
+            <a:schemeClr val="accent1"/>
+          </a:effectRef>
+          <a:fontRef idx="minor">
+            <a:schemeClr val="lt1"/>
+          </a:fontRef>
+        </p:style>
+        <p:txBody>
+          <a:bodyPr rtlCol="0" anchor="ctr"/>
+          <a:lstStyle/>
+          <a:p>
+            <a:pPr algn="ctr"/>
+            <a:endParaRPr lang="pt-BR" b="1" dirty="0">
+              <a:solidFill>
+                <a:schemeClr val="tx1"/>
+              </a:solidFill>
+            </a:endParaRPr>
+          </a:p>
+        </p:txBody>
+      </p:sp>
       <p:sp>
         <p:nvSpPr>
           <p:cNvPr id="124" name="Nuvem 123">
@@ -4495,7 +4553,7 @@
         </p:nvSpPr>
         <p:spPr>
           <a:xfrm>
-            <a:off x="9426924" y="786853"/>
+            <a:off x="9440176" y="1085651"/>
             <a:ext cx="1934818" cy="460297"/>
           </a:xfrm>
           <a:prstGeom prst="rect">
@@ -6155,7 +6213,7 @@
         </p:nvSpPr>
         <p:spPr>
           <a:xfrm>
-            <a:off x="9440176" y="1441279"/>
+            <a:off x="9583992" y="3132154"/>
             <a:ext cx="1934818" cy="460297"/>
           </a:xfrm>
           <a:prstGeom prst="rect">
@@ -6198,6 +6256,51 @@
           </a:p>
         </p:txBody>
       </p:sp>
+      <p:cxnSp>
+        <p:nvCxnSpPr>
+          <p:cNvPr id="30" name="Conector de Seta Reta 29">
+            <a:extLst>
+              <a:ext uri="{FF2B5EF4-FFF2-40B4-BE49-F238E27FC236}">
+                <a16:creationId xmlns:a16="http://schemas.microsoft.com/office/drawing/2014/main" id="{9EB7C173-B256-4137-9BC0-6E4695E3EFEB}"/>
+              </a:ext>
+            </a:extLst>
+          </p:cNvPr>
+          <p:cNvCxnSpPr>
+            <a:cxnSpLocks/>
+            <a:stCxn id="63" idx="0"/>
+          </p:cNvCxnSpPr>
+          <p:nvPr/>
+        </p:nvCxnSpPr>
+        <p:spPr>
+          <a:xfrm flipH="1" flipV="1">
+            <a:off x="10535086" y="2184519"/>
+            <a:ext cx="16315" cy="947635"/>
+          </a:xfrm>
+          <a:prstGeom prst="straightConnector1">
+            <a:avLst/>
+          </a:prstGeom>
+          <a:ln w="38100">
+            <a:solidFill>
+              <a:schemeClr val="tx1"/>
+            </a:solidFill>
+            <a:tailEnd type="triangle"/>
+          </a:ln>
+        </p:spPr>
+        <p:style>
+          <a:lnRef idx="1">
+            <a:schemeClr val="accent1"/>
+          </a:lnRef>
+          <a:fillRef idx="0">
+            <a:schemeClr val="accent1"/>
+          </a:fillRef>
+          <a:effectRef idx="0">
+            <a:schemeClr val="accent1"/>
+          </a:effectRef>
+          <a:fontRef idx="minor">
+            <a:schemeClr val="tx1"/>
+          </a:fontRef>
+        </p:style>
+      </p:cxnSp>
     </p:spTree>
     <p:extLst>
       <p:ext uri="{BB962C8B-B14F-4D97-AF65-F5344CB8AC3E}">

--- a/documentacao/Diagrama de Solução.pptx
+++ b/documentacao/Diagrama de Solução.pptx
@@ -271,7 +271,7 @@
           <a:p>
             <a:fld id="{BDD64FB9-7C11-4AE8-B590-119B73CFA40B}" type="datetimeFigureOut">
               <a:rPr lang="pt-BR" smtClean="0"/>
-              <a:t>06/05/2020</a:t>
+              <a:t>07/05/2020</a:t>
             </a:fld>
             <a:endParaRPr lang="pt-BR"/>
           </a:p>
@@ -469,7 +469,7 @@
           <a:p>
             <a:fld id="{BDD64FB9-7C11-4AE8-B590-119B73CFA40B}" type="datetimeFigureOut">
               <a:rPr lang="pt-BR" smtClean="0"/>
-              <a:t>06/05/2020</a:t>
+              <a:t>07/05/2020</a:t>
             </a:fld>
             <a:endParaRPr lang="pt-BR"/>
           </a:p>
@@ -677,7 +677,7 @@
           <a:p>
             <a:fld id="{BDD64FB9-7C11-4AE8-B590-119B73CFA40B}" type="datetimeFigureOut">
               <a:rPr lang="pt-BR" smtClean="0"/>
-              <a:t>06/05/2020</a:t>
+              <a:t>07/05/2020</a:t>
             </a:fld>
             <a:endParaRPr lang="pt-BR"/>
           </a:p>
@@ -875,7 +875,7 @@
           <a:p>
             <a:fld id="{BDD64FB9-7C11-4AE8-B590-119B73CFA40B}" type="datetimeFigureOut">
               <a:rPr lang="pt-BR" smtClean="0"/>
-              <a:t>06/05/2020</a:t>
+              <a:t>07/05/2020</a:t>
             </a:fld>
             <a:endParaRPr lang="pt-BR"/>
           </a:p>
@@ -1150,7 +1150,7 @@
           <a:p>
             <a:fld id="{BDD64FB9-7C11-4AE8-B590-119B73CFA40B}" type="datetimeFigureOut">
               <a:rPr lang="pt-BR" smtClean="0"/>
-              <a:t>06/05/2020</a:t>
+              <a:t>07/05/2020</a:t>
             </a:fld>
             <a:endParaRPr lang="pt-BR"/>
           </a:p>
@@ -1415,7 +1415,7 @@
           <a:p>
             <a:fld id="{BDD64FB9-7C11-4AE8-B590-119B73CFA40B}" type="datetimeFigureOut">
               <a:rPr lang="pt-BR" smtClean="0"/>
-              <a:t>06/05/2020</a:t>
+              <a:t>07/05/2020</a:t>
             </a:fld>
             <a:endParaRPr lang="pt-BR"/>
           </a:p>
@@ -1827,7 +1827,7 @@
           <a:p>
             <a:fld id="{BDD64FB9-7C11-4AE8-B590-119B73CFA40B}" type="datetimeFigureOut">
               <a:rPr lang="pt-BR" smtClean="0"/>
-              <a:t>06/05/2020</a:t>
+              <a:t>07/05/2020</a:t>
             </a:fld>
             <a:endParaRPr lang="pt-BR"/>
           </a:p>
@@ -1968,7 +1968,7 @@
           <a:p>
             <a:fld id="{BDD64FB9-7C11-4AE8-B590-119B73CFA40B}" type="datetimeFigureOut">
               <a:rPr lang="pt-BR" smtClean="0"/>
-              <a:t>06/05/2020</a:t>
+              <a:t>07/05/2020</a:t>
             </a:fld>
             <a:endParaRPr lang="pt-BR"/>
           </a:p>
@@ -2081,7 +2081,7 @@
           <a:p>
             <a:fld id="{BDD64FB9-7C11-4AE8-B590-119B73CFA40B}" type="datetimeFigureOut">
               <a:rPr lang="pt-BR" smtClean="0"/>
-              <a:t>06/05/2020</a:t>
+              <a:t>07/05/2020</a:t>
             </a:fld>
             <a:endParaRPr lang="pt-BR"/>
           </a:p>
@@ -2392,7 +2392,7 @@
           <a:p>
             <a:fld id="{BDD64FB9-7C11-4AE8-B590-119B73CFA40B}" type="datetimeFigureOut">
               <a:rPr lang="pt-BR" smtClean="0"/>
-              <a:t>06/05/2020</a:t>
+              <a:t>07/05/2020</a:t>
             </a:fld>
             <a:endParaRPr lang="pt-BR"/>
           </a:p>
@@ -2680,7 +2680,7 @@
           <a:p>
             <a:fld id="{BDD64FB9-7C11-4AE8-B590-119B73CFA40B}" type="datetimeFigureOut">
               <a:rPr lang="pt-BR" smtClean="0"/>
-              <a:t>06/05/2020</a:t>
+              <a:t>07/05/2020</a:t>
             </a:fld>
             <a:endParaRPr lang="pt-BR"/>
           </a:p>
@@ -2921,7 +2921,7 @@
           <a:p>
             <a:fld id="{BDD64FB9-7C11-4AE8-B590-119B73CFA40B}" type="datetimeFigureOut">
               <a:rPr lang="pt-BR" smtClean="0"/>
-              <a:t>06/05/2020</a:t>
+              <a:t>07/05/2020</a:t>
             </a:fld>
             <a:endParaRPr lang="pt-BR"/>
           </a:p>
@@ -3340,64 +3340,6 @@
       </p:grpSpPr>
       <p:sp>
         <p:nvSpPr>
-          <p:cNvPr id="64" name="Nuvem 63">
-            <a:extLst>
-              <a:ext uri="{FF2B5EF4-FFF2-40B4-BE49-F238E27FC236}">
-                <a16:creationId xmlns:a16="http://schemas.microsoft.com/office/drawing/2014/main" id="{4BD7CB84-9683-43AC-B680-65D81A616BA9}"/>
-              </a:ext>
-            </a:extLst>
-          </p:cNvPr>
-          <p:cNvSpPr/>
-          <p:nvPr/>
-        </p:nvSpPr>
-        <p:spPr>
-          <a:xfrm>
-            <a:off x="9220792" y="2552311"/>
-            <a:ext cx="2661219" cy="1666017"/>
-          </a:xfrm>
-          <a:prstGeom prst="cloud">
-            <a:avLst/>
-          </a:prstGeom>
-          <a:solidFill>
-            <a:schemeClr val="bg1"/>
-          </a:solidFill>
-          <a:ln>
-            <a:solidFill>
-              <a:schemeClr val="tx1"/>
-            </a:solidFill>
-          </a:ln>
-        </p:spPr>
-        <p:style>
-          <a:lnRef idx="2">
-            <a:schemeClr val="accent1">
-              <a:shade val="50000"/>
-            </a:schemeClr>
-          </a:lnRef>
-          <a:fillRef idx="1">
-            <a:schemeClr val="accent1"/>
-          </a:fillRef>
-          <a:effectRef idx="0">
-            <a:schemeClr val="accent1"/>
-          </a:effectRef>
-          <a:fontRef idx="minor">
-            <a:schemeClr val="lt1"/>
-          </a:fontRef>
-        </p:style>
-        <p:txBody>
-          <a:bodyPr rtlCol="0" anchor="ctr"/>
-          <a:lstStyle/>
-          <a:p>
-            <a:pPr algn="ctr"/>
-            <a:endParaRPr lang="pt-BR" b="1" dirty="0">
-              <a:solidFill>
-                <a:schemeClr val="tx1"/>
-              </a:solidFill>
-            </a:endParaRPr>
-          </a:p>
-        </p:txBody>
-      </p:sp>
-      <p:sp>
-        <p:nvSpPr>
           <p:cNvPr id="124" name="Nuvem 123">
             <a:extLst>
               <a:ext uri="{FF2B5EF4-FFF2-40B4-BE49-F238E27FC236}">
@@ -3710,10 +3652,10 @@
         </p:nvGrpSpPr>
         <p:grpSpPr>
           <a:xfrm>
-            <a:off x="530087" y="3852350"/>
-            <a:ext cx="4280452" cy="2694296"/>
-            <a:chOff x="530087" y="3852350"/>
-            <a:chExt cx="4280452" cy="2694296"/>
+            <a:off x="530087" y="3839961"/>
+            <a:ext cx="4317337" cy="2706685"/>
+            <a:chOff x="530087" y="3839961"/>
+            <a:chExt cx="4317337" cy="2706685"/>
           </a:xfrm>
         </p:grpSpPr>
         <p:sp>
@@ -3842,8 +3784,8 @@
           </p:nvSpPr>
           <p:spPr>
             <a:xfrm>
-              <a:off x="1200978" y="4250403"/>
-              <a:ext cx="3412435" cy="369332"/>
+              <a:off x="861655" y="4261453"/>
+              <a:ext cx="3885936" cy="369332"/>
             </a:xfrm>
             <a:prstGeom prst="rect">
               <a:avLst/>
@@ -3858,7 +3800,7 @@
             <a:p>
               <a:r>
                 <a:rPr lang="pt-BR" b="1" dirty="0"/>
-                <a:t>Aplicação de Monitoração</a:t>
+                <a:t>Aplicação de Monitoração - Java</a:t>
               </a:r>
             </a:p>
           </p:txBody>
@@ -3877,7 +3819,7 @@
           </p:nvSpPr>
           <p:spPr>
             <a:xfrm>
-              <a:off x="1398104" y="3852350"/>
+              <a:off x="1434989" y="3839961"/>
               <a:ext cx="3412435" cy="369332"/>
             </a:xfrm>
             <a:prstGeom prst="rect">
@@ -3949,8 +3891,8 @@
           </p:nvCxnSpPr>
           <p:spPr>
             <a:xfrm flipH="1">
-              <a:off x="1502466" y="5981441"/>
-              <a:ext cx="374373" cy="247272"/>
+              <a:off x="1502468" y="5953412"/>
+              <a:ext cx="462489" cy="275301"/>
             </a:xfrm>
             <a:prstGeom prst="straightConnector1">
               <a:avLst/>
@@ -4037,8 +3979,8 @@
           </p:nvCxnSpPr>
           <p:spPr>
             <a:xfrm>
-              <a:off x="2864126" y="5992893"/>
-              <a:ext cx="425726" cy="235820"/>
+              <a:off x="2916404" y="5953412"/>
+              <a:ext cx="373448" cy="275301"/>
             </a:xfrm>
             <a:prstGeom prst="straightConnector1">
               <a:avLst/>
@@ -4080,7 +4022,7 @@
         </p:nvSpPr>
         <p:spPr>
           <a:xfrm>
-            <a:off x="3157062" y="5608354"/>
+            <a:off x="3128908" y="5579021"/>
             <a:ext cx="987287" cy="369332"/>
           </a:xfrm>
           <a:prstGeom prst="rect">
@@ -4137,7 +4079,7 @@
         </p:nvSpPr>
         <p:spPr>
           <a:xfrm>
-            <a:off x="1876839" y="5612109"/>
+            <a:off x="1929117" y="5584080"/>
             <a:ext cx="987287" cy="369332"/>
           </a:xfrm>
           <a:prstGeom prst="rect">
@@ -4194,7 +4136,7 @@
         </p:nvSpPr>
         <p:spPr>
           <a:xfrm>
-            <a:off x="3152172" y="4919806"/>
+            <a:off x="3150290" y="4822576"/>
             <a:ext cx="987287" cy="369332"/>
           </a:xfrm>
           <a:prstGeom prst="rect">
@@ -4251,7 +4193,7 @@
         </p:nvSpPr>
         <p:spPr>
           <a:xfrm>
-            <a:off x="978176" y="4910219"/>
+            <a:off x="978176" y="4774980"/>
             <a:ext cx="1049407" cy="554197"/>
           </a:xfrm>
           <a:prstGeom prst="rect">
@@ -4497,8 +4439,8 @@
         </p:nvSpPr>
         <p:spPr>
           <a:xfrm>
-            <a:off x="8797446" y="184753"/>
-            <a:ext cx="3193775" cy="1971967"/>
+            <a:off x="8797447" y="184753"/>
+            <a:ext cx="2943980" cy="1971967"/>
           </a:xfrm>
           <a:prstGeom prst="rect">
             <a:avLst/>
@@ -4553,7 +4495,7 @@
         </p:nvSpPr>
         <p:spPr>
           <a:xfrm>
-            <a:off x="9440176" y="1085651"/>
+            <a:off x="9426924" y="808461"/>
             <a:ext cx="1934818" cy="460297"/>
           </a:xfrm>
           <a:prstGeom prst="rect">
@@ -4611,7 +4553,7 @@
         <p:spPr>
           <a:xfrm>
             <a:off x="8984412" y="212552"/>
-            <a:ext cx="3193775" cy="498656"/>
+            <a:ext cx="3193775" cy="369332"/>
           </a:xfrm>
           <a:prstGeom prst="rect">
             <a:avLst/>
@@ -4625,7 +4567,7 @@
           <a:lstStyle/>
           <a:p>
             <a:r>
-              <a:rPr lang="pt-BR" sz="2000" b="1" dirty="0"/>
+              <a:rPr lang="pt-BR" b="1" dirty="0"/>
               <a:t>Site Institucional – Node Js</a:t>
             </a:r>
           </a:p>
@@ -4646,9 +4588,9 @@
           <p:nvPr/>
         </p:nvCxnSpPr>
         <p:spPr>
-          <a:xfrm flipV="1">
-            <a:off x="8810698" y="580344"/>
-            <a:ext cx="3193775" cy="16228"/>
+          <a:xfrm>
+            <a:off x="8810698" y="596572"/>
+            <a:ext cx="2930729" cy="0"/>
           </a:xfrm>
           <a:prstGeom prst="line">
             <a:avLst/>
@@ -6111,7 +6053,7 @@
         </p:nvSpPr>
         <p:spPr>
           <a:xfrm>
-            <a:off x="2102765" y="4915936"/>
+            <a:off x="2089702" y="4822576"/>
             <a:ext cx="987287" cy="369332"/>
           </a:xfrm>
           <a:prstGeom prst="rect">
@@ -6171,8 +6113,8 @@
         </p:nvCxnSpPr>
         <p:spPr>
           <a:xfrm flipH="1">
-            <a:off x="8311481" y="1170737"/>
-            <a:ext cx="485965" cy="0"/>
+            <a:off x="8311483" y="1170737"/>
+            <a:ext cx="485964" cy="0"/>
           </a:xfrm>
           <a:prstGeom prst="straightConnector1">
             <a:avLst/>
@@ -6213,7 +6155,7 @@
         </p:nvSpPr>
         <p:spPr>
           <a:xfrm>
-            <a:off x="9583992" y="3132154"/>
+            <a:off x="9426924" y="1489313"/>
             <a:ext cx="1934818" cy="460297"/>
           </a:xfrm>
           <a:prstGeom prst="rect">
@@ -6256,51 +6198,63 @@
           </a:p>
         </p:txBody>
       </p:sp>
-      <p:cxnSp>
-        <p:nvCxnSpPr>
-          <p:cNvPr id="30" name="Conector de Seta Reta 29">
-            <a:extLst>
-              <a:ext uri="{FF2B5EF4-FFF2-40B4-BE49-F238E27FC236}">
-                <a16:creationId xmlns:a16="http://schemas.microsoft.com/office/drawing/2014/main" id="{9EB7C173-B256-4137-9BC0-6E4695E3EFEB}"/>
-              </a:ext>
-            </a:extLst>
-          </p:cNvPr>
-          <p:cNvCxnSpPr>
-            <a:cxnSpLocks/>
-            <a:stCxn id="63" idx="0"/>
-          </p:cNvCxnSpPr>
+      <p:sp>
+        <p:nvSpPr>
+          <p:cNvPr id="65" name="Retângulo 64">
+            <a:extLst>
+              <a:ext uri="{FF2B5EF4-FFF2-40B4-BE49-F238E27FC236}">
+                <a16:creationId xmlns:a16="http://schemas.microsoft.com/office/drawing/2014/main" id="{B76097EA-68D3-4636-A53E-1B31A4188D89}"/>
+              </a:ext>
+            </a:extLst>
+          </p:cNvPr>
+          <p:cNvSpPr/>
           <p:nvPr/>
-        </p:nvCxnSpPr>
+        </p:nvSpPr>
         <p:spPr>
-          <a:xfrm flipH="1" flipV="1">
-            <a:off x="10535086" y="2184519"/>
-            <a:ext cx="16315" cy="947635"/>
-          </a:xfrm>
-          <a:prstGeom prst="straightConnector1">
+          <a:xfrm>
+            <a:off x="892264" y="5587714"/>
+            <a:ext cx="943033" cy="369332"/>
+          </a:xfrm>
+          <a:prstGeom prst="rect">
             <a:avLst/>
           </a:prstGeom>
-          <a:ln w="38100">
+          <a:solidFill>
+            <a:srgbClr val="7030A0"/>
+          </a:solidFill>
+          <a:ln>
             <a:solidFill>
               <a:schemeClr val="tx1"/>
             </a:solidFill>
-            <a:tailEnd type="triangle"/>
           </a:ln>
         </p:spPr>
         <p:style>
-          <a:lnRef idx="1">
-            <a:schemeClr val="accent1"/>
+          <a:lnRef idx="2">
+            <a:schemeClr val="accent1">
+              <a:shade val="50000"/>
+            </a:schemeClr>
           </a:lnRef>
-          <a:fillRef idx="0">
+          <a:fillRef idx="1">
             <a:schemeClr val="accent1"/>
           </a:fillRef>
           <a:effectRef idx="0">
             <a:schemeClr val="accent1"/>
           </a:effectRef>
           <a:fontRef idx="minor">
-            <a:schemeClr val="tx1"/>
+            <a:schemeClr val="lt1"/>
           </a:fontRef>
         </p:style>
-      </p:cxnSp>
+        <p:txBody>
+          <a:bodyPr rtlCol="0" anchor="ctr"/>
+          <a:lstStyle/>
+          <a:p>
+            <a:pPr algn="ctr"/>
+            <a:r>
+              <a:rPr lang="pt-BR" dirty="0"/>
+              <a:t>Log TXT</a:t>
+            </a:r>
+          </a:p>
+        </p:txBody>
+      </p:sp>
     </p:spTree>
     <p:extLst>
       <p:ext uri="{BB962C8B-B14F-4D97-AF65-F5344CB8AC3E}">
